--- a/Workshop.pptx
+++ b/Workshop.pptx
@@ -5,7 +5,7 @@
     <p:sldMasterId id="2147483648" r:id="rId1"/>
   </p:sldMasterIdLst>
   <p:notesMasterIdLst>
-    <p:notesMasterId r:id="rId7"/>
+    <p:notesMasterId r:id="rId15"/>
   </p:notesMasterIdLst>
   <p:sldIdLst>
     <p:sldId id="256" r:id="rId2"/>
@@ -13,6 +13,14 @@
     <p:sldId id="260" r:id="rId4"/>
     <p:sldId id="261" r:id="rId5"/>
     <p:sldId id="259" r:id="rId6"/>
+    <p:sldId id="262" r:id="rId7"/>
+    <p:sldId id="263" r:id="rId8"/>
+    <p:sldId id="264" r:id="rId9"/>
+    <p:sldId id="265" r:id="rId10"/>
+    <p:sldId id="266" r:id="rId11"/>
+    <p:sldId id="267" r:id="rId12"/>
+    <p:sldId id="268" r:id="rId13"/>
+    <p:sldId id="269" r:id="rId14"/>
   </p:sldIdLst>
   <p:sldSz cx="9144000" cy="6858000" type="screen4x3"/>
   <p:notesSz cx="7099300" cy="10234613"/>
@@ -143,7 +151,7 @@
   </p:defaultTextStyle>
   <p:extLst>
     <p:ext uri="{EFAFB233-063F-42B5-8137-9DF3F51BA10A}">
-      <p15:sldGuideLst xmlns="" xmlns:p15="http://schemas.microsoft.com/office/powerpoint/2012/main">
+      <p15:sldGuideLst xmlns:p15="http://schemas.microsoft.com/office/powerpoint/2012/main" xmlns="">
         <p15:guide id="1" orient="horz" pos="2160">
           <p15:clr>
             <a:srgbClr val="A4A3A4"/>
@@ -4314,16 +4322,6 @@
           <a:lstStyle/>
           <a:p>
             <a:pPr algn="ctr"/>
-            <a:r>
-              <a:rPr lang="pt-BR" sz="2800" b="1" dirty="0" smtClean="0">
-                <a:solidFill>
-                  <a:schemeClr val="tx2">
-                    <a:lumMod val="75000"/>
-                  </a:schemeClr>
-                </a:solidFill>
-              </a:rPr>
-              <a:t>GIT </a:t>
-            </a:r>
             <a:endParaRPr lang="pt-BR" sz="2800" b="1" dirty="0" smtClean="0">
               <a:solidFill>
                 <a:schemeClr val="tx2">
@@ -4360,7 +4358,808 @@
           <a:noFill/>
         </p:spPr>
       </p:pic>
+      <p:pic>
+        <p:nvPicPr>
+          <p:cNvPr id="2" name="Imagem 1"/>
+          <p:cNvPicPr>
+            <a:picLocks noChangeAspect="1"/>
+          </p:cNvPicPr>
+          <p:nvPr/>
+        </p:nvPicPr>
+        <p:blipFill>
+          <a:blip r:embed="rId4">
+            <a:extLst>
+              <a:ext uri="{28A0092B-C50C-407E-A947-70E740481C1C}">
+                <a14:useLocalDpi xmlns:a14="http://schemas.microsoft.com/office/drawing/2010/main" val="0"/>
+              </a:ext>
+            </a:extLst>
+          </a:blip>
+          <a:stretch>
+            <a:fillRect/>
+          </a:stretch>
+        </p:blipFill>
+        <p:spPr>
+          <a:xfrm>
+            <a:off x="2063115" y="762000"/>
+            <a:ext cx="4876800" cy="2038350"/>
+          </a:xfrm>
+          <a:prstGeom prst="rect">
+            <a:avLst/>
+          </a:prstGeom>
+        </p:spPr>
+      </p:pic>
     </p:spTree>
+  </p:cSld>
+  <p:clrMapOvr>
+    <a:masterClrMapping/>
+  </p:clrMapOvr>
+  <p:transition spd="med">
+    <p:fade/>
+  </p:transition>
+  <p:timing>
+    <p:tnLst>
+      <p:par>
+        <p:cTn id="1" dur="indefinite" restart="never" nodeType="tmRoot"/>
+      </p:par>
+    </p:tnLst>
+  </p:timing>
+</p:sld>
+</file>
+
+<file path=ppt/slides/slide10.xml><?xml version="1.0" encoding="utf-8"?>
+<p:sld xmlns:a="http://schemas.openxmlformats.org/drawingml/2006/main" xmlns:r="http://schemas.openxmlformats.org/officeDocument/2006/relationships" xmlns:p="http://schemas.openxmlformats.org/presentationml/2006/main">
+  <p:cSld>
+    <p:spTree>
+      <p:nvGrpSpPr>
+        <p:cNvPr id="1" name=""/>
+        <p:cNvGrpSpPr/>
+        <p:nvPr/>
+      </p:nvGrpSpPr>
+      <p:grpSpPr>
+        <a:xfrm>
+          <a:off x="0" y="0"/>
+          <a:ext cx="0" cy="0"/>
+          <a:chOff x="0" y="0"/>
+          <a:chExt cx="0" cy="0"/>
+        </a:xfrm>
+      </p:grpSpPr>
+      <p:sp>
+        <p:nvSpPr>
+          <p:cNvPr id="2" name="Título 1"/>
+          <p:cNvSpPr>
+            <a:spLocks noGrp="1"/>
+          </p:cNvSpPr>
+          <p:nvPr>
+            <p:ph type="ctrTitle"/>
+          </p:nvPr>
+        </p:nvSpPr>
+        <p:spPr>
+          <a:xfrm>
+            <a:off x="857250" y="820421"/>
+            <a:ext cx="7772400" cy="1122680"/>
+          </a:xfrm>
+        </p:spPr>
+        <p:txBody>
+          <a:bodyPr/>
+          <a:lstStyle/>
+          <a:p>
+            <a:pPr algn="ctr"/>
+            <a:r>
+              <a:rPr lang="pt-BR" dirty="0" smtClean="0"/>
+              <a:t>PUSH</a:t>
+            </a:r>
+            <a:endParaRPr lang="pt-BR" dirty="0"/>
+          </a:p>
+        </p:txBody>
+      </p:sp>
+      <p:sp>
+        <p:nvSpPr>
+          <p:cNvPr id="3" name="Subtítulo 2"/>
+          <p:cNvSpPr>
+            <a:spLocks noGrp="1"/>
+          </p:cNvSpPr>
+          <p:nvPr>
+            <p:ph type="subTitle" idx="1"/>
+          </p:nvPr>
+        </p:nvSpPr>
+        <p:spPr>
+          <a:xfrm>
+            <a:off x="857250" y="2176144"/>
+            <a:ext cx="7612380" cy="3847465"/>
+          </a:xfrm>
+        </p:spPr>
+        <p:txBody>
+          <a:bodyPr/>
+          <a:lstStyle/>
+          <a:p>
+            <a:pPr algn="l"/>
+            <a:r>
+              <a:rPr lang="pt-BR" sz="1800" dirty="0" smtClean="0"/>
+              <a:t>Do inglês “empurrar”, o </a:t>
+            </a:r>
+            <a:r>
+              <a:rPr lang="pt-BR" sz="1800" dirty="0" err="1" smtClean="0"/>
+              <a:t>push</a:t>
+            </a:r>
+            <a:r>
+              <a:rPr lang="pt-BR" sz="1800" dirty="0" smtClean="0"/>
+              <a:t> serve para levar suas modificações, </a:t>
+            </a:r>
+            <a:r>
+              <a:rPr lang="pt-BR" sz="1800" dirty="0" err="1" smtClean="0"/>
+              <a:t>branchs</a:t>
+            </a:r>
+            <a:r>
+              <a:rPr lang="pt-BR" sz="1800" dirty="0" smtClean="0"/>
+              <a:t> e </a:t>
+            </a:r>
+            <a:r>
+              <a:rPr lang="pt-BR" sz="1800" dirty="0" err="1" smtClean="0"/>
+              <a:t>commits</a:t>
+            </a:r>
+            <a:r>
+              <a:rPr lang="pt-BR" sz="1800" dirty="0" smtClean="0"/>
+              <a:t> locais para o repositório e deixá-los acessíveis para os demais programadores. </a:t>
+            </a:r>
+          </a:p>
+          <a:p>
+            <a:pPr algn="l"/>
+            <a:endParaRPr lang="pt-BR" sz="1800" dirty="0"/>
+          </a:p>
+          <a:p>
+            <a:pPr algn="l"/>
+            <a:r>
+              <a:rPr lang="pt-BR" sz="1800" dirty="0" smtClean="0"/>
+              <a:t>Não há uma frequência certa de quanto em quanto tempo você faz um </a:t>
+            </a:r>
+            <a:r>
+              <a:rPr lang="pt-BR" sz="1800" dirty="0" err="1" smtClean="0"/>
+              <a:t>push</a:t>
+            </a:r>
+            <a:r>
+              <a:rPr lang="pt-BR" sz="1800" dirty="0" smtClean="0"/>
+              <a:t> – uma convenção padrão é de no mínimo duas vezes no dia de trabalho.</a:t>
+            </a:r>
+          </a:p>
+          <a:p>
+            <a:pPr algn="l"/>
+            <a:endParaRPr lang="pt-BR" sz="1800" dirty="0"/>
+          </a:p>
+          <a:p>
+            <a:pPr algn="l"/>
+            <a:endParaRPr lang="pt-BR" sz="1800" dirty="0"/>
+          </a:p>
+          <a:p>
+            <a:pPr algn="l"/>
+            <a:r>
+              <a:rPr lang="pt-BR" sz="1800" dirty="0" smtClean="0"/>
+              <a:t>Principais comandos:</a:t>
+            </a:r>
+            <a:br>
+              <a:rPr lang="pt-BR" sz="1800" dirty="0" smtClean="0"/>
+            </a:br>
+            <a:r>
+              <a:rPr lang="pt-BR" sz="1800" dirty="0" err="1" smtClean="0"/>
+              <a:t>git</a:t>
+            </a:r>
+            <a:r>
+              <a:rPr lang="pt-BR" sz="1800" dirty="0" smtClean="0"/>
+              <a:t> </a:t>
+            </a:r>
+            <a:r>
+              <a:rPr lang="pt-BR" sz="1800" dirty="0" err="1" smtClean="0"/>
+              <a:t>push</a:t>
+            </a:r>
+            <a:endParaRPr lang="pt-BR" sz="1800" dirty="0"/>
+          </a:p>
+        </p:txBody>
+      </p:sp>
+    </p:spTree>
+    <p:extLst>
+      <p:ext uri="{BB962C8B-B14F-4D97-AF65-F5344CB8AC3E}">
+        <p14:creationId xmlns:p14="http://schemas.microsoft.com/office/powerpoint/2010/main" val="994171870"/>
+      </p:ext>
+    </p:extLst>
+  </p:cSld>
+  <p:clrMapOvr>
+    <a:masterClrMapping/>
+  </p:clrMapOvr>
+  <p:timing>
+    <p:tnLst>
+      <p:par>
+        <p:cTn id="1" dur="indefinite" restart="never" nodeType="tmRoot"/>
+      </p:par>
+    </p:tnLst>
+  </p:timing>
+</p:sld>
+</file>
+
+<file path=ppt/slides/slide11.xml><?xml version="1.0" encoding="utf-8"?>
+<p:sld xmlns:a="http://schemas.openxmlformats.org/drawingml/2006/main" xmlns:r="http://schemas.openxmlformats.org/officeDocument/2006/relationships" xmlns:p="http://schemas.openxmlformats.org/presentationml/2006/main">
+  <p:cSld>
+    <p:spTree>
+      <p:nvGrpSpPr>
+        <p:cNvPr id="1" name=""/>
+        <p:cNvGrpSpPr/>
+        <p:nvPr/>
+      </p:nvGrpSpPr>
+      <p:grpSpPr>
+        <a:xfrm>
+          <a:off x="0" y="0"/>
+          <a:ext cx="0" cy="0"/>
+          <a:chOff x="0" y="0"/>
+          <a:chExt cx="0" cy="0"/>
+        </a:xfrm>
+      </p:grpSpPr>
+      <p:sp>
+        <p:nvSpPr>
+          <p:cNvPr id="2" name="Título 1"/>
+          <p:cNvSpPr>
+            <a:spLocks noGrp="1"/>
+          </p:cNvSpPr>
+          <p:nvPr>
+            <p:ph type="ctrTitle"/>
+          </p:nvPr>
+        </p:nvSpPr>
+        <p:spPr>
+          <a:xfrm>
+            <a:off x="857250" y="820421"/>
+            <a:ext cx="7772400" cy="1122680"/>
+          </a:xfrm>
+        </p:spPr>
+        <p:txBody>
+          <a:bodyPr/>
+          <a:lstStyle/>
+          <a:p>
+            <a:pPr algn="ctr"/>
+            <a:r>
+              <a:rPr lang="pt-BR" dirty="0" smtClean="0"/>
+              <a:t>MERGE</a:t>
+            </a:r>
+            <a:endParaRPr lang="pt-BR" dirty="0"/>
+          </a:p>
+        </p:txBody>
+      </p:sp>
+      <p:sp>
+        <p:nvSpPr>
+          <p:cNvPr id="3" name="Subtítulo 2"/>
+          <p:cNvSpPr>
+            <a:spLocks noGrp="1"/>
+          </p:cNvSpPr>
+          <p:nvPr>
+            <p:ph type="subTitle" idx="1"/>
+          </p:nvPr>
+        </p:nvSpPr>
+        <p:spPr>
+          <a:xfrm>
+            <a:off x="857250" y="2176144"/>
+            <a:ext cx="7612380" cy="3847465"/>
+          </a:xfrm>
+        </p:spPr>
+        <p:txBody>
+          <a:bodyPr/>
+          <a:lstStyle/>
+          <a:p>
+            <a:pPr algn="l"/>
+            <a:r>
+              <a:rPr lang="pt-BR" sz="1800" dirty="0" smtClean="0"/>
+              <a:t>Do inglês “fundir/mesclar”, o merge serve para juntar suas modificações com as de outro desenvolvedor. Você pode mesclar </a:t>
+            </a:r>
+            <a:r>
+              <a:rPr lang="pt-BR" sz="1800" dirty="0" err="1" smtClean="0"/>
+              <a:t>branches</a:t>
+            </a:r>
+            <a:r>
+              <a:rPr lang="pt-BR" sz="1800" dirty="0" smtClean="0"/>
+              <a:t> com o </a:t>
+            </a:r>
+            <a:r>
+              <a:rPr lang="pt-BR" sz="1800" dirty="0" err="1" smtClean="0"/>
+              <a:t>trunk</a:t>
+            </a:r>
+            <a:r>
+              <a:rPr lang="pt-BR" sz="1800" dirty="0" smtClean="0"/>
+              <a:t> dessa mesma forma. </a:t>
+            </a:r>
+          </a:p>
+          <a:p>
+            <a:pPr algn="l"/>
+            <a:endParaRPr lang="pt-BR" sz="1800" dirty="0"/>
+          </a:p>
+          <a:p>
+            <a:pPr algn="l"/>
+            <a:r>
+              <a:rPr lang="pt-BR" sz="1800" dirty="0" smtClean="0"/>
+              <a:t>Podem acontecer conflitos ao tentar fazer um merge – eles normalmente acontecem quando dois desenvolvedores mexeram na mesma linha do mesmo arquivo. Quando isso acontece, um desenvolvedor precisa resolver os conflitos manualmente.</a:t>
+            </a:r>
+          </a:p>
+          <a:p>
+            <a:pPr algn="l"/>
+            <a:endParaRPr lang="pt-BR" sz="1800" dirty="0"/>
+          </a:p>
+          <a:p>
+            <a:pPr algn="l"/>
+            <a:endParaRPr lang="pt-BR" sz="1800" dirty="0"/>
+          </a:p>
+          <a:p>
+            <a:pPr algn="l"/>
+            <a:r>
+              <a:rPr lang="pt-BR" sz="1800" dirty="0" smtClean="0"/>
+              <a:t>Principais comandos:</a:t>
+            </a:r>
+            <a:br>
+              <a:rPr lang="pt-BR" sz="1800" dirty="0" smtClean="0"/>
+            </a:br>
+            <a:r>
+              <a:rPr lang="pt-BR" sz="1800" dirty="0" err="1" smtClean="0"/>
+              <a:t>git</a:t>
+            </a:r>
+            <a:r>
+              <a:rPr lang="pt-BR" sz="1800" dirty="0" smtClean="0"/>
+              <a:t> merge </a:t>
+            </a:r>
+            <a:r>
+              <a:rPr lang="pt-BR" sz="1800" dirty="0" err="1" smtClean="0"/>
+              <a:t>nome_da_versao</a:t>
+            </a:r>
+            <a:endParaRPr lang="pt-BR" sz="1800" dirty="0"/>
+          </a:p>
+        </p:txBody>
+      </p:sp>
+    </p:spTree>
+    <p:extLst>
+      <p:ext uri="{BB962C8B-B14F-4D97-AF65-F5344CB8AC3E}">
+        <p14:creationId xmlns:p14="http://schemas.microsoft.com/office/powerpoint/2010/main" val="3157896015"/>
+      </p:ext>
+    </p:extLst>
+  </p:cSld>
+  <p:clrMapOvr>
+    <a:masterClrMapping/>
+  </p:clrMapOvr>
+  <p:timing>
+    <p:tnLst>
+      <p:par>
+        <p:cTn id="1" dur="indefinite" restart="never" nodeType="tmRoot"/>
+      </p:par>
+    </p:tnLst>
+  </p:timing>
+</p:sld>
+</file>
+
+<file path=ppt/slides/slide12.xml><?xml version="1.0" encoding="utf-8"?>
+<p:sld xmlns:a="http://schemas.openxmlformats.org/drawingml/2006/main" xmlns:r="http://schemas.openxmlformats.org/officeDocument/2006/relationships" xmlns:p="http://schemas.openxmlformats.org/presentationml/2006/main">
+  <p:cSld>
+    <p:spTree>
+      <p:nvGrpSpPr>
+        <p:cNvPr id="1" name=""/>
+        <p:cNvGrpSpPr/>
+        <p:nvPr/>
+      </p:nvGrpSpPr>
+      <p:grpSpPr>
+        <a:xfrm>
+          <a:off x="0" y="0"/>
+          <a:ext cx="0" cy="0"/>
+          <a:chOff x="0" y="0"/>
+          <a:chExt cx="0" cy="0"/>
+        </a:xfrm>
+      </p:grpSpPr>
+      <p:sp>
+        <p:nvSpPr>
+          <p:cNvPr id="2" name="Título 1"/>
+          <p:cNvSpPr>
+            <a:spLocks noGrp="1"/>
+          </p:cNvSpPr>
+          <p:nvPr>
+            <p:ph type="ctrTitle"/>
+          </p:nvPr>
+        </p:nvSpPr>
+        <p:spPr>
+          <a:xfrm>
+            <a:off x="857250" y="820421"/>
+            <a:ext cx="7772400" cy="1122680"/>
+          </a:xfrm>
+        </p:spPr>
+        <p:txBody>
+          <a:bodyPr/>
+          <a:lstStyle/>
+          <a:p>
+            <a:pPr algn="ctr"/>
+            <a:r>
+              <a:rPr lang="pt-BR" dirty="0" smtClean="0"/>
+              <a:t>TAGS</a:t>
+            </a:r>
+            <a:endParaRPr lang="pt-BR" dirty="0"/>
+          </a:p>
+        </p:txBody>
+      </p:sp>
+      <p:sp>
+        <p:nvSpPr>
+          <p:cNvPr id="3" name="Subtítulo 2"/>
+          <p:cNvSpPr>
+            <a:spLocks noGrp="1"/>
+          </p:cNvSpPr>
+          <p:nvPr>
+            <p:ph type="subTitle" idx="1"/>
+          </p:nvPr>
+        </p:nvSpPr>
+        <p:spPr>
+          <a:xfrm>
+            <a:off x="857250" y="2176144"/>
+            <a:ext cx="7612380" cy="3847465"/>
+          </a:xfrm>
+        </p:spPr>
+        <p:txBody>
+          <a:bodyPr/>
+          <a:lstStyle/>
+          <a:p>
+            <a:pPr algn="l"/>
+            <a:r>
+              <a:rPr lang="pt-BR" sz="1800" dirty="0" err="1" smtClean="0"/>
+              <a:t>Tags</a:t>
+            </a:r>
+            <a:r>
+              <a:rPr lang="pt-BR" sz="1800" dirty="0" smtClean="0"/>
+              <a:t> são releases / lançamentos de uma versão. Na prática, ela funciona como um </a:t>
+            </a:r>
+            <a:r>
+              <a:rPr lang="pt-BR" sz="1800" dirty="0" err="1" smtClean="0"/>
+              <a:t>branch</a:t>
+            </a:r>
+            <a:r>
+              <a:rPr lang="pt-BR" sz="1800" dirty="0" smtClean="0"/>
+              <a:t>, mas com uma grande diferença: </a:t>
+            </a:r>
+            <a:r>
+              <a:rPr lang="pt-BR" sz="1800" dirty="0" err="1" smtClean="0"/>
+              <a:t>tags</a:t>
+            </a:r>
+            <a:r>
+              <a:rPr lang="pt-BR" sz="1800" dirty="0" smtClean="0"/>
+              <a:t> são imutáveis.</a:t>
+            </a:r>
+          </a:p>
+          <a:p>
+            <a:pPr algn="l"/>
+            <a:endParaRPr lang="pt-BR" sz="1800" dirty="0"/>
+          </a:p>
+          <a:p>
+            <a:pPr algn="l"/>
+            <a:r>
+              <a:rPr lang="pt-BR" sz="1800" dirty="0" smtClean="0"/>
+              <a:t>Uma </a:t>
+            </a:r>
+            <a:r>
+              <a:rPr lang="pt-BR" sz="1800" dirty="0" err="1" smtClean="0"/>
+              <a:t>tag</a:t>
+            </a:r>
+            <a:r>
+              <a:rPr lang="pt-BR" sz="1800" dirty="0" smtClean="0"/>
+              <a:t> pode ser a junção de diversos </a:t>
+            </a:r>
+            <a:r>
+              <a:rPr lang="pt-BR" sz="1800" dirty="0" err="1" smtClean="0"/>
+              <a:t>branches</a:t>
+            </a:r>
+            <a:r>
+              <a:rPr lang="pt-BR" sz="1800" dirty="0"/>
+              <a:t> </a:t>
+            </a:r>
+            <a:r>
+              <a:rPr lang="pt-BR" sz="1800" dirty="0" smtClean="0"/>
+              <a:t>e o </a:t>
+            </a:r>
+            <a:r>
+              <a:rPr lang="pt-BR" sz="1800" dirty="0" err="1" smtClean="0"/>
+              <a:t>trunk</a:t>
+            </a:r>
+            <a:r>
+              <a:rPr lang="pt-BR" sz="1800" dirty="0" smtClean="0"/>
+              <a:t>/</a:t>
+            </a:r>
+            <a:r>
+              <a:rPr lang="pt-BR" sz="1800" dirty="0" err="1" smtClean="0"/>
+              <a:t>master</a:t>
+            </a:r>
+            <a:r>
+              <a:rPr lang="pt-BR" sz="1800" dirty="0" smtClean="0"/>
+              <a:t>. Normalmente ela é marcada para fins comerciais.  Exemplo: </a:t>
+            </a:r>
+            <a:br>
+              <a:rPr lang="pt-BR" sz="1800" dirty="0" smtClean="0"/>
+            </a:br>
+            <a:r>
+              <a:rPr lang="pt-BR" sz="1800" dirty="0" smtClean="0"/>
+              <a:t>Depois de um mês de desenvolvimento, os desenvolvedores decidiram lançar a versão 1.6. Essa versão conta com as </a:t>
+            </a:r>
+            <a:r>
+              <a:rPr lang="pt-BR" sz="1800" dirty="0" err="1" smtClean="0"/>
+              <a:t>features</a:t>
+            </a:r>
+            <a:r>
+              <a:rPr lang="pt-BR" sz="1800" dirty="0" smtClean="0"/>
+              <a:t> criadas nos </a:t>
+            </a:r>
+            <a:r>
+              <a:rPr lang="pt-BR" sz="1800" dirty="0" err="1" smtClean="0"/>
+              <a:t>branches</a:t>
+            </a:r>
+            <a:r>
+              <a:rPr lang="pt-BR" sz="1800" dirty="0" smtClean="0"/>
+              <a:t> 1.5, 1.6, 1.7, 1.8 e 1.9. Cria-se uma </a:t>
+            </a:r>
+            <a:r>
+              <a:rPr lang="pt-BR" sz="1800" dirty="0" err="1" smtClean="0"/>
+              <a:t>tag</a:t>
+            </a:r>
+            <a:r>
+              <a:rPr lang="pt-BR" sz="1800" dirty="0" smtClean="0"/>
+              <a:t> chamada 1.6 que compila todas essas modificações, tornando o acesso ou retorno a elas mais fácil e dinâmica. Uma </a:t>
+            </a:r>
+            <a:r>
+              <a:rPr lang="pt-BR" sz="1800" dirty="0" err="1" smtClean="0"/>
+              <a:t>tag</a:t>
+            </a:r>
+            <a:r>
+              <a:rPr lang="pt-BR" sz="1800" dirty="0" smtClean="0"/>
+              <a:t> nunca pode ser alterada.</a:t>
+            </a:r>
+          </a:p>
+          <a:p>
+            <a:pPr algn="l"/>
+            <a:endParaRPr lang="pt-BR" sz="1800" dirty="0" smtClean="0"/>
+          </a:p>
+          <a:p>
+            <a:pPr algn="l"/>
+            <a:r>
+              <a:rPr lang="pt-BR" sz="1800" dirty="0" smtClean="0"/>
+              <a:t>Principais comandos:</a:t>
+            </a:r>
+            <a:br>
+              <a:rPr lang="pt-BR" sz="1800" dirty="0" smtClean="0"/>
+            </a:br>
+            <a:r>
+              <a:rPr lang="pt-BR" sz="1800" dirty="0" err="1" smtClean="0"/>
+              <a:t>git</a:t>
+            </a:r>
+            <a:r>
+              <a:rPr lang="pt-BR" sz="1800" dirty="0" smtClean="0"/>
+              <a:t> </a:t>
+            </a:r>
+            <a:r>
+              <a:rPr lang="pt-BR" sz="1800" dirty="0" err="1" smtClean="0"/>
+              <a:t>tag</a:t>
+            </a:r>
+            <a:r>
+              <a:rPr lang="pt-BR" sz="1800" dirty="0" smtClean="0"/>
+              <a:t> </a:t>
+            </a:r>
+            <a:r>
+              <a:rPr lang="pt-BR" sz="1800" dirty="0" err="1" smtClean="0"/>
+              <a:t>nome_da_tag</a:t>
+            </a:r>
+            <a:endParaRPr lang="pt-BR" sz="1800" dirty="0"/>
+          </a:p>
+          <a:p>
+            <a:pPr algn="l"/>
+            <a:endParaRPr lang="pt-BR" sz="1800" dirty="0"/>
+          </a:p>
+        </p:txBody>
+      </p:sp>
+    </p:spTree>
+    <p:extLst>
+      <p:ext uri="{BB962C8B-B14F-4D97-AF65-F5344CB8AC3E}">
+        <p14:creationId xmlns:p14="http://schemas.microsoft.com/office/powerpoint/2010/main" val="653695825"/>
+      </p:ext>
+    </p:extLst>
+  </p:cSld>
+  <p:clrMapOvr>
+    <a:masterClrMapping/>
+  </p:clrMapOvr>
+  <p:timing>
+    <p:tnLst>
+      <p:par>
+        <p:cTn id="1" dur="indefinite" restart="never" nodeType="tmRoot"/>
+      </p:par>
+    </p:tnLst>
+  </p:timing>
+</p:sld>
+</file>
+
+<file path=ppt/slides/slide13.xml><?xml version="1.0" encoding="utf-8"?>
+<p:sld xmlns:a="http://schemas.openxmlformats.org/drawingml/2006/main" xmlns:r="http://schemas.openxmlformats.org/officeDocument/2006/relationships" xmlns:p="http://schemas.openxmlformats.org/presentationml/2006/main">
+  <p:cSld>
+    <p:spTree>
+      <p:nvGrpSpPr>
+        <p:cNvPr id="1" name=""/>
+        <p:cNvGrpSpPr/>
+        <p:nvPr/>
+      </p:nvGrpSpPr>
+      <p:grpSpPr>
+        <a:xfrm>
+          <a:off x="0" y="0"/>
+          <a:ext cx="0" cy="0"/>
+          <a:chOff x="0" y="0"/>
+          <a:chExt cx="0" cy="0"/>
+        </a:xfrm>
+      </p:grpSpPr>
+      <p:sp>
+        <p:nvSpPr>
+          <p:cNvPr id="3" name="Retângulo 2"/>
+          <p:cNvSpPr/>
+          <p:nvPr/>
+        </p:nvSpPr>
+        <p:spPr>
+          <a:xfrm>
+            <a:off x="0" y="0"/>
+            <a:ext cx="9144000" cy="3817257"/>
+          </a:xfrm>
+          <a:prstGeom prst="rect">
+            <a:avLst/>
+          </a:prstGeom>
+          <a:solidFill>
+            <a:schemeClr val="bg1"/>
+          </a:solidFill>
+          <a:ln>
+            <a:noFill/>
+          </a:ln>
+        </p:spPr>
+        <p:style>
+          <a:lnRef idx="1">
+            <a:schemeClr val="accent1"/>
+          </a:lnRef>
+          <a:fillRef idx="3">
+            <a:schemeClr val="accent1"/>
+          </a:fillRef>
+          <a:effectRef idx="2">
+            <a:schemeClr val="accent1"/>
+          </a:effectRef>
+          <a:fontRef idx="minor">
+            <a:schemeClr val="lt1"/>
+          </a:fontRef>
+        </p:style>
+        <p:txBody>
+          <a:bodyPr rtlCol="0" anchor="ctr"/>
+          <a:lstStyle/>
+          <a:p>
+            <a:pPr algn="ctr"/>
+            <a:endParaRPr lang="pt-BR" sz="2800" b="1" dirty="0" smtClean="0">
+              <a:solidFill>
+                <a:schemeClr val="tx2">
+                  <a:lumMod val="75000"/>
+                </a:schemeClr>
+              </a:solidFill>
+            </a:endParaRPr>
+          </a:p>
+        </p:txBody>
+      </p:sp>
+      <p:pic>
+        <p:nvPicPr>
+          <p:cNvPr id="36866" name="Picture 2" descr="Z:\Criação\Logos Connectcom\connectcom.jpg"/>
+          <p:cNvPicPr>
+            <a:picLocks noChangeAspect="1" noChangeArrowheads="1"/>
+          </p:cNvPicPr>
+          <p:nvPr/>
+        </p:nvPicPr>
+        <p:blipFill>
+          <a:blip r:embed="rId2"/>
+          <a:srcRect/>
+          <a:stretch>
+            <a:fillRect/>
+          </a:stretch>
+        </p:blipFill>
+        <p:spPr bwMode="auto">
+          <a:xfrm>
+            <a:off x="6073140" y="3100837"/>
+            <a:ext cx="2857500" cy="523875"/>
+          </a:xfrm>
+          <a:prstGeom prst="rect">
+            <a:avLst/>
+          </a:prstGeom>
+          <a:noFill/>
+        </p:spPr>
+      </p:pic>
+      <p:pic>
+        <p:nvPicPr>
+          <p:cNvPr id="2" name="Imagem 1"/>
+          <p:cNvPicPr>
+            <a:picLocks noChangeAspect="1"/>
+          </p:cNvPicPr>
+          <p:nvPr/>
+        </p:nvPicPr>
+        <p:blipFill>
+          <a:blip r:embed="rId3">
+            <a:extLst>
+              <a:ext uri="{28A0092B-C50C-407E-A947-70E740481C1C}">
+                <a14:useLocalDpi xmlns:a14="http://schemas.microsoft.com/office/drawing/2010/main" val="0"/>
+              </a:ext>
+            </a:extLst>
+          </a:blip>
+          <a:stretch>
+            <a:fillRect/>
+          </a:stretch>
+        </p:blipFill>
+        <p:spPr>
+          <a:xfrm>
+            <a:off x="2063115" y="762000"/>
+            <a:ext cx="4876800" cy="2038350"/>
+          </a:xfrm>
+          <a:prstGeom prst="rect">
+            <a:avLst/>
+          </a:prstGeom>
+        </p:spPr>
+      </p:pic>
+      <p:sp>
+        <p:nvSpPr>
+          <p:cNvPr id="4" name="CaixaDeTexto 3"/>
+          <p:cNvSpPr txBox="1"/>
+          <p:nvPr/>
+        </p:nvSpPr>
+        <p:spPr>
+          <a:xfrm>
+            <a:off x="619125" y="4286250"/>
+            <a:ext cx="7943850" cy="584775"/>
+          </a:xfrm>
+          <a:prstGeom prst="rect">
+            <a:avLst/>
+          </a:prstGeom>
+          <a:noFill/>
+        </p:spPr>
+        <p:txBody>
+          <a:bodyPr wrap="square" rtlCol="0">
+            <a:spAutoFit/>
+          </a:bodyPr>
+          <a:lstStyle/>
+          <a:p>
+            <a:pPr algn="ctr"/>
+            <a:r>
+              <a:rPr lang="pt-BR" sz="3200" dirty="0" smtClean="0"/>
+              <a:t>Obrigado!</a:t>
+            </a:r>
+            <a:endParaRPr lang="pt-BR" sz="3200" dirty="0"/>
+          </a:p>
+        </p:txBody>
+      </p:sp>
+      <p:sp>
+        <p:nvSpPr>
+          <p:cNvPr id="5" name="CaixaDeTexto 4"/>
+          <p:cNvSpPr txBox="1"/>
+          <p:nvPr/>
+        </p:nvSpPr>
+        <p:spPr>
+          <a:xfrm>
+            <a:off x="2724834" y="5133975"/>
+            <a:ext cx="3732432" cy="646331"/>
+          </a:xfrm>
+          <a:prstGeom prst="rect">
+            <a:avLst/>
+          </a:prstGeom>
+          <a:noFill/>
+        </p:spPr>
+        <p:txBody>
+          <a:bodyPr wrap="none" rtlCol="0">
+            <a:spAutoFit/>
+          </a:bodyPr>
+          <a:lstStyle/>
+          <a:p>
+            <a:r>
+              <a:rPr lang="pt-BR" dirty="0" smtClean="0">
+                <a:hlinkClick r:id="rId4"/>
+              </a:rPr>
+              <a:t>https://github.com/leafarcathal/gitws</a:t>
+            </a:r>
+            <a:endParaRPr lang="pt-BR" dirty="0" smtClean="0"/>
+          </a:p>
+          <a:p>
+            <a:endParaRPr lang="pt-BR" dirty="0"/>
+          </a:p>
+        </p:txBody>
+      </p:sp>
+    </p:spTree>
+    <p:extLst>
+      <p:ext uri="{BB962C8B-B14F-4D97-AF65-F5344CB8AC3E}">
+        <p14:creationId xmlns:p14="http://schemas.microsoft.com/office/powerpoint/2010/main" val="3291705283"/>
+      </p:ext>
+    </p:extLst>
   </p:cSld>
   <p:clrMapOvr>
     <a:masterClrMapping/>
@@ -4455,8 +5254,17 @@
             </a:r>
             <a:r>
               <a:rPr lang="pt-BR" sz="1800" dirty="0" smtClean="0"/>
-              <a:t> do Linux). Hoje o GIT é o sistema de versionamento mais famoso e mais utilizado por empresas e desenvolvedores, devido à sua simples utilização e seu código aberto.</a:t>
-            </a:r>
+              <a:t> do Linux). Hoje o GIT é o sistema de versionamento mais famoso e mais utilizado por empresas e desenvolvedores, devido à sua simples utilização e seu código aberto</a:t>
+            </a:r>
+            <a:r>
+              <a:rPr lang="pt-BR" sz="1800" dirty="0" smtClean="0"/>
+              <a:t>. GIT é uma arquitetur</a:t>
+            </a:r>
+            <a:r>
+              <a:rPr lang="pt-BR" sz="1800" dirty="0" smtClean="0"/>
+              <a:t>a.</a:t>
+            </a:r>
+            <a:endParaRPr lang="pt-BR" sz="1800" dirty="0" smtClean="0"/>
           </a:p>
           <a:p>
             <a:pPr algn="l"/>
@@ -4466,8 +5274,13 @@
             <a:pPr algn="l"/>
             <a:r>
               <a:rPr lang="pt-BR" sz="1800" dirty="0" smtClean="0"/>
-              <a:t>Diferente de outros modelos de arquitetura distribuída que permitem que o desenvolvedor trabalhe sempre com a versão mais atualizada, o GIT permite com que cada desenvolvedor tenha acesso a todo o repositório em sua máquina, tornando simples a mudança de versão e comparação do código.</a:t>
-            </a:r>
+              <a:t>Diferente de outros modelos de arquitetura distribuída que permitem que o desenvolvedor trabalhe sempre com a versão mais atualizada, o GIT permite com que cada desenvolvedor tenha acesso a todo o repositório em sua máquina, tornando simples a mudança de versão e comparação do </a:t>
+            </a:r>
+            <a:r>
+              <a:rPr lang="pt-BR" sz="1800" dirty="0" smtClean="0"/>
+              <a:t>código, sem atrapalhar os demais desenvolvedores. </a:t>
+            </a:r>
+            <a:endParaRPr lang="pt-BR" sz="1800" dirty="0" smtClean="0"/>
           </a:p>
           <a:p>
             <a:pPr algn="l"/>
@@ -4486,6 +5299,18 @@
             <a:r>
               <a:rPr lang="pt-BR" sz="1800" dirty="0" smtClean="0"/>
               <a:t>.  </a:t>
+            </a:r>
+            <a:r>
+              <a:rPr lang="pt-BR" sz="1800" dirty="0" smtClean="0"/>
+              <a:t>Basicamente toda comunicação com </a:t>
+            </a:r>
+            <a:r>
+              <a:rPr lang="pt-BR" sz="1800" dirty="0" err="1" smtClean="0"/>
+              <a:t>git</a:t>
+            </a:r>
+            <a:r>
+              <a:rPr lang="pt-BR" sz="1800" dirty="0" smtClean="0"/>
+              <a:t> é feita por meio de comandos próprios. </a:t>
             </a:r>
             <a:endParaRPr lang="pt-BR" sz="1800" dirty="0"/>
           </a:p>
@@ -4501,6 +5326,13 @@
   <p:clrMapOvr>
     <a:masterClrMapping/>
   </p:clrMapOvr>
+  <p:timing>
+    <p:tnLst>
+      <p:par>
+        <p:cTn id="1" dur="indefinite" restart="never" nodeType="tmRoot"/>
+      </p:par>
+    </p:tnLst>
+  </p:timing>
 </p:sld>
 </file>
 
@@ -4619,6 +5451,13 @@
   <p:clrMapOvr>
     <a:masterClrMapping/>
   </p:clrMapOvr>
+  <p:timing>
+    <p:tnLst>
+      <p:par>
+        <p:cTn id="1" dur="indefinite" restart="never" nodeType="tmRoot"/>
+      </p:par>
+    </p:tnLst>
+  </p:timing>
 </p:sld>
 </file>
 
@@ -4737,6 +5576,13 @@
   <p:clrMapOvr>
     <a:masterClrMapping/>
   </p:clrMapOvr>
+  <p:timing>
+    <p:tnLst>
+      <p:par>
+        <p:cTn id="1" dur="indefinite" restart="never" nodeType="tmRoot"/>
+      </p:par>
+    </p:tnLst>
+  </p:timing>
 </p:sld>
 </file>
 
@@ -4848,11 +5694,114 @@
             <a:pPr algn="l"/>
             <a:r>
               <a:rPr lang="pt-BR" sz="1800" dirty="0" smtClean="0"/>
-              <a:t>Existem duas maneiras de se criar um repositório: iniciar um repositório local ou clonar um repositório existente, que é bem </a:t>
-            </a:r>
-            <a:r>
-              <a:rPr lang="pt-BR" sz="1800" smtClean="0"/>
-              <a:t>mais simples. </a:t>
+              <a:t>Existem duas maneiras de se criar um repositório: iniciar um repositório local ou clonar um repositório existente, que é bem mais simples</a:t>
+            </a:r>
+            <a:r>
+              <a:rPr lang="pt-BR" sz="1800" dirty="0" smtClean="0"/>
+              <a:t>. Independente da forma que você preferir utilizar, o resultado é o mesmo: uma ligação entre repositório e sua máquina. Isso é tudo o que você precisa pra começar.</a:t>
+            </a:r>
+          </a:p>
+          <a:p>
+            <a:pPr algn="l"/>
+            <a:endParaRPr lang="pt-BR" sz="1800" dirty="0"/>
+          </a:p>
+          <a:p>
+            <a:pPr algn="l"/>
+            <a:r>
+              <a:rPr lang="pt-BR" sz="1800" dirty="0" smtClean="0"/>
+              <a:t>Principais comandos: </a:t>
+            </a:r>
+          </a:p>
+          <a:p>
+            <a:pPr algn="l"/>
+            <a:r>
+              <a:rPr lang="pt-BR" sz="1800" dirty="0" err="1" smtClean="0"/>
+              <a:t>git</a:t>
+            </a:r>
+            <a:r>
+              <a:rPr lang="pt-BR" sz="1800" dirty="0" smtClean="0"/>
+              <a:t> </a:t>
+            </a:r>
+            <a:r>
+              <a:rPr lang="pt-BR" sz="1800" dirty="0" err="1" smtClean="0"/>
+              <a:t>init</a:t>
+            </a:r>
+            <a:r>
+              <a:rPr lang="pt-BR" sz="1800" dirty="0" smtClean="0"/>
+              <a:t/>
+            </a:r>
+            <a:br>
+              <a:rPr lang="pt-BR" sz="1800" dirty="0" smtClean="0"/>
+            </a:br>
+            <a:r>
+              <a:rPr lang="pt-BR" sz="1800" dirty="0" err="1" smtClean="0"/>
+              <a:t>git</a:t>
+            </a:r>
+            <a:r>
+              <a:rPr lang="pt-BR" sz="1800" dirty="0" smtClean="0"/>
+              <a:t> </a:t>
+            </a:r>
+            <a:r>
+              <a:rPr lang="pt-BR" sz="1800" dirty="0" err="1" smtClean="0"/>
+              <a:t>add</a:t>
+            </a:r>
+            <a:r>
+              <a:rPr lang="pt-BR" sz="1800" dirty="0" smtClean="0"/>
+              <a:t> –</a:t>
+            </a:r>
+            <a:r>
+              <a:rPr lang="pt-BR" sz="1800" dirty="0" err="1" smtClean="0"/>
+              <a:t>all</a:t>
+            </a:r>
+            <a:r>
+              <a:rPr lang="pt-BR" sz="1800" dirty="0" smtClean="0"/>
+              <a:t/>
+            </a:r>
+            <a:br>
+              <a:rPr lang="pt-BR" sz="1800" dirty="0" smtClean="0"/>
+            </a:br>
+            <a:r>
+              <a:rPr lang="pt-BR" sz="1800" dirty="0" err="1" smtClean="0"/>
+              <a:t>git</a:t>
+            </a:r>
+            <a:r>
+              <a:rPr lang="pt-BR" sz="1800" dirty="0" smtClean="0"/>
+              <a:t> </a:t>
+            </a:r>
+            <a:r>
+              <a:rPr lang="pt-BR" sz="1800" dirty="0" err="1" smtClean="0"/>
+              <a:t>commit</a:t>
+            </a:r>
+            <a:r>
+              <a:rPr lang="pt-BR" sz="1800" dirty="0" smtClean="0"/>
+              <a:t> –</a:t>
+            </a:r>
+            <a:r>
+              <a:rPr lang="pt-BR" sz="1800" dirty="0" err="1" smtClean="0"/>
+              <a:t>am”mensagem</a:t>
+            </a:r>
+            <a:r>
+              <a:rPr lang="pt-BR" sz="1800" dirty="0" smtClean="0"/>
+              <a:t>”</a:t>
+            </a:r>
+            <a:br>
+              <a:rPr lang="pt-BR" sz="1800" dirty="0" smtClean="0"/>
+            </a:br>
+            <a:r>
+              <a:rPr lang="pt-BR" sz="1800" dirty="0" err="1" smtClean="0"/>
+              <a:t>git</a:t>
+            </a:r>
+            <a:r>
+              <a:rPr lang="pt-BR" sz="1800" dirty="0" smtClean="0"/>
+              <a:t> </a:t>
+            </a:r>
+            <a:r>
+              <a:rPr lang="pt-BR" sz="1800" dirty="0" err="1" smtClean="0"/>
+              <a:t>push</a:t>
+            </a:r>
+            <a:r>
+              <a:rPr lang="pt-BR" sz="1800" dirty="0" smtClean="0"/>
+              <a:t> </a:t>
             </a:r>
             <a:endParaRPr lang="pt-BR" sz="1800" dirty="0"/>
           </a:p>
@@ -4868,6 +5817,838 @@
   <p:clrMapOvr>
     <a:masterClrMapping/>
   </p:clrMapOvr>
+  <p:timing>
+    <p:tnLst>
+      <p:par>
+        <p:cTn id="1" dur="indefinite" restart="never" nodeType="tmRoot"/>
+      </p:par>
+    </p:tnLst>
+  </p:timing>
+</p:sld>
+</file>
+
+<file path=ppt/slides/slide6.xml><?xml version="1.0" encoding="utf-8"?>
+<p:sld xmlns:a="http://schemas.openxmlformats.org/drawingml/2006/main" xmlns:r="http://schemas.openxmlformats.org/officeDocument/2006/relationships" xmlns:p="http://schemas.openxmlformats.org/presentationml/2006/main">
+  <p:cSld>
+    <p:spTree>
+      <p:nvGrpSpPr>
+        <p:cNvPr id="1" name=""/>
+        <p:cNvGrpSpPr/>
+        <p:nvPr/>
+      </p:nvGrpSpPr>
+      <p:grpSpPr>
+        <a:xfrm>
+          <a:off x="0" y="0"/>
+          <a:ext cx="0" cy="0"/>
+          <a:chOff x="0" y="0"/>
+          <a:chExt cx="0" cy="0"/>
+        </a:xfrm>
+      </p:grpSpPr>
+      <p:sp>
+        <p:nvSpPr>
+          <p:cNvPr id="2" name="Título 1"/>
+          <p:cNvSpPr>
+            <a:spLocks noGrp="1"/>
+          </p:cNvSpPr>
+          <p:nvPr>
+            <p:ph type="ctrTitle"/>
+          </p:nvPr>
+        </p:nvSpPr>
+        <p:spPr>
+          <a:xfrm>
+            <a:off x="857250" y="820421"/>
+            <a:ext cx="7772400" cy="1122680"/>
+          </a:xfrm>
+        </p:spPr>
+        <p:txBody>
+          <a:bodyPr/>
+          <a:lstStyle/>
+          <a:p>
+            <a:pPr algn="ctr"/>
+            <a:r>
+              <a:rPr lang="pt-BR" dirty="0" err="1" smtClean="0"/>
+              <a:t>Trunk</a:t>
+            </a:r>
+            <a:r>
+              <a:rPr lang="pt-BR" dirty="0" smtClean="0"/>
+              <a:t>, </a:t>
+            </a:r>
+            <a:r>
+              <a:rPr lang="pt-BR" dirty="0" err="1" smtClean="0"/>
+              <a:t>Branch</a:t>
+            </a:r>
+            <a:r>
+              <a:rPr lang="pt-BR" dirty="0" smtClean="0"/>
+              <a:t>, </a:t>
+            </a:r>
+            <a:r>
+              <a:rPr lang="pt-BR" dirty="0" smtClean="0"/>
+              <a:t>Merge, </a:t>
+            </a:r>
+            <a:r>
+              <a:rPr lang="pt-BR" dirty="0" err="1" smtClean="0"/>
+              <a:t>Commit</a:t>
+            </a:r>
+            <a:r>
+              <a:rPr lang="pt-BR" dirty="0" smtClean="0"/>
+              <a:t>, </a:t>
+            </a:r>
+            <a:r>
+              <a:rPr lang="pt-BR" dirty="0" err="1" smtClean="0"/>
+              <a:t>Push</a:t>
+            </a:r>
+            <a:r>
+              <a:rPr lang="pt-BR" dirty="0" smtClean="0"/>
+              <a:t>, </a:t>
+            </a:r>
+            <a:r>
+              <a:rPr lang="pt-BR" dirty="0" err="1" smtClean="0"/>
+              <a:t>Tags</a:t>
+            </a:r>
+            <a:endParaRPr lang="pt-BR" dirty="0"/>
+          </a:p>
+        </p:txBody>
+      </p:sp>
+      <p:pic>
+        <p:nvPicPr>
+          <p:cNvPr id="4" name="Imagem 3"/>
+          <p:cNvPicPr>
+            <a:picLocks noChangeAspect="1"/>
+          </p:cNvPicPr>
+          <p:nvPr/>
+        </p:nvPicPr>
+        <p:blipFill>
+          <a:blip r:embed="rId2">
+            <a:extLst>
+              <a:ext uri="{28A0092B-C50C-407E-A947-70E740481C1C}">
+                <a14:useLocalDpi xmlns:a14="http://schemas.microsoft.com/office/drawing/2010/main" val="0"/>
+              </a:ext>
+            </a:extLst>
+          </a:blip>
+          <a:stretch>
+            <a:fillRect/>
+          </a:stretch>
+        </p:blipFill>
+        <p:spPr>
+          <a:xfrm>
+            <a:off x="1333046" y="1943101"/>
+            <a:ext cx="6477905" cy="4115375"/>
+          </a:xfrm>
+          <a:prstGeom prst="rect">
+            <a:avLst/>
+          </a:prstGeom>
+        </p:spPr>
+      </p:pic>
+    </p:spTree>
+    <p:extLst>
+      <p:ext uri="{BB962C8B-B14F-4D97-AF65-F5344CB8AC3E}">
+        <p14:creationId xmlns:p14="http://schemas.microsoft.com/office/powerpoint/2010/main" val="3095492592"/>
+      </p:ext>
+    </p:extLst>
+  </p:cSld>
+  <p:clrMapOvr>
+    <a:masterClrMapping/>
+  </p:clrMapOvr>
+  <p:timing>
+    <p:tnLst>
+      <p:par>
+        <p:cTn id="1" dur="indefinite" restart="never" nodeType="tmRoot"/>
+      </p:par>
+    </p:tnLst>
+  </p:timing>
+</p:sld>
+</file>
+
+<file path=ppt/slides/slide7.xml><?xml version="1.0" encoding="utf-8"?>
+<p:sld xmlns:a="http://schemas.openxmlformats.org/drawingml/2006/main" xmlns:r="http://schemas.openxmlformats.org/officeDocument/2006/relationships" xmlns:p="http://schemas.openxmlformats.org/presentationml/2006/main">
+  <p:cSld>
+    <p:spTree>
+      <p:nvGrpSpPr>
+        <p:cNvPr id="1" name=""/>
+        <p:cNvGrpSpPr/>
+        <p:nvPr/>
+      </p:nvGrpSpPr>
+      <p:grpSpPr>
+        <a:xfrm>
+          <a:off x="0" y="0"/>
+          <a:ext cx="0" cy="0"/>
+          <a:chOff x="0" y="0"/>
+          <a:chExt cx="0" cy="0"/>
+        </a:xfrm>
+      </p:grpSpPr>
+      <p:sp>
+        <p:nvSpPr>
+          <p:cNvPr id="2" name="Título 1"/>
+          <p:cNvSpPr>
+            <a:spLocks noGrp="1"/>
+          </p:cNvSpPr>
+          <p:nvPr>
+            <p:ph type="ctrTitle"/>
+          </p:nvPr>
+        </p:nvSpPr>
+        <p:spPr>
+          <a:xfrm>
+            <a:off x="857250" y="820421"/>
+            <a:ext cx="7772400" cy="1122680"/>
+          </a:xfrm>
+        </p:spPr>
+        <p:txBody>
+          <a:bodyPr/>
+          <a:lstStyle/>
+          <a:p>
+            <a:pPr algn="ctr"/>
+            <a:r>
+              <a:rPr lang="pt-BR" dirty="0" smtClean="0"/>
+              <a:t>TRUNK (ou </a:t>
+            </a:r>
+            <a:r>
+              <a:rPr lang="pt-BR" dirty="0" err="1" smtClean="0"/>
+              <a:t>master</a:t>
+            </a:r>
+            <a:r>
+              <a:rPr lang="pt-BR" dirty="0" smtClean="0"/>
+              <a:t>)</a:t>
+            </a:r>
+            <a:endParaRPr lang="pt-BR" dirty="0"/>
+          </a:p>
+        </p:txBody>
+      </p:sp>
+      <p:sp>
+        <p:nvSpPr>
+          <p:cNvPr id="3" name="Subtítulo 2"/>
+          <p:cNvSpPr>
+            <a:spLocks noGrp="1"/>
+          </p:cNvSpPr>
+          <p:nvPr>
+            <p:ph type="subTitle" idx="1"/>
+          </p:nvPr>
+        </p:nvSpPr>
+        <p:spPr>
+          <a:xfrm>
+            <a:off x="857250" y="2176144"/>
+            <a:ext cx="7612380" cy="3847465"/>
+          </a:xfrm>
+        </p:spPr>
+        <p:txBody>
+          <a:bodyPr/>
+          <a:lstStyle/>
+          <a:p>
+            <a:pPr algn="l"/>
+            <a:r>
+              <a:rPr lang="pt-BR" sz="1800" dirty="0" smtClean="0"/>
+              <a:t>O </a:t>
+            </a:r>
+            <a:r>
+              <a:rPr lang="pt-BR" sz="1800" dirty="0" err="1" smtClean="0"/>
+              <a:t>Trunk</a:t>
+            </a:r>
+            <a:r>
+              <a:rPr lang="pt-BR" sz="1800" dirty="0" smtClean="0"/>
+              <a:t> (ou </a:t>
+            </a:r>
+            <a:r>
+              <a:rPr lang="pt-BR" sz="1800" dirty="0" err="1" smtClean="0"/>
+              <a:t>master</a:t>
+            </a:r>
+            <a:r>
+              <a:rPr lang="pt-BR" sz="1800" dirty="0" smtClean="0"/>
+              <a:t>) é a parte principal de um repositório. Usando a analogia de uma árvore, o repositório é a árvore e o </a:t>
+            </a:r>
+            <a:r>
+              <a:rPr lang="pt-BR" sz="1800" dirty="0" err="1" smtClean="0"/>
+              <a:t>trunk</a:t>
+            </a:r>
+            <a:r>
+              <a:rPr lang="pt-BR" sz="1800" dirty="0" smtClean="0"/>
+              <a:t> seria o tronco dela – aquele que dá suporte a todos os ramos, folhas e frutos. </a:t>
+            </a:r>
+          </a:p>
+          <a:p>
+            <a:pPr algn="l"/>
+            <a:endParaRPr lang="pt-BR" sz="1800" dirty="0"/>
+          </a:p>
+          <a:p>
+            <a:pPr algn="l"/>
+            <a:r>
+              <a:rPr lang="pt-BR" sz="1800" dirty="0" smtClean="0"/>
+              <a:t>Sempre qu</a:t>
+            </a:r>
+            <a:r>
+              <a:rPr lang="pt-BR" sz="1800" dirty="0" smtClean="0"/>
+              <a:t>e criamos um novo repositório, é criado junto o tronco da árvore. Ele não precisa ser mantido e você pode substituí-lo por outro </a:t>
+            </a:r>
+            <a:r>
+              <a:rPr lang="pt-BR" sz="1800" dirty="0" err="1" smtClean="0"/>
+              <a:t>branch</a:t>
+            </a:r>
+            <a:r>
+              <a:rPr lang="pt-BR" sz="1800" dirty="0" smtClean="0"/>
+              <a:t>. Alguns desenvolvedores preferem trabalhar suas </a:t>
+            </a:r>
+            <a:r>
+              <a:rPr lang="pt-BR" sz="1800" dirty="0" err="1" smtClean="0"/>
+              <a:t>features</a:t>
+            </a:r>
+            <a:r>
+              <a:rPr lang="pt-BR" sz="1800" dirty="0" smtClean="0"/>
+              <a:t> em </a:t>
+            </a:r>
+            <a:r>
+              <a:rPr lang="pt-BR" sz="1800" dirty="0" err="1" smtClean="0"/>
+              <a:t>branches</a:t>
+            </a:r>
+            <a:r>
+              <a:rPr lang="pt-BR" sz="1800" dirty="0" smtClean="0"/>
+              <a:t> e depois juntarem esses </a:t>
+            </a:r>
+            <a:r>
+              <a:rPr lang="pt-BR" sz="1800" dirty="0" err="1" smtClean="0"/>
+              <a:t>branches</a:t>
+            </a:r>
+            <a:r>
+              <a:rPr lang="pt-BR" sz="1800" dirty="0" smtClean="0"/>
+              <a:t> no </a:t>
+            </a:r>
+            <a:r>
+              <a:rPr lang="pt-BR" sz="1800" dirty="0" err="1" smtClean="0"/>
+              <a:t>trunk</a:t>
+            </a:r>
+            <a:r>
+              <a:rPr lang="pt-BR" sz="1800" dirty="0" smtClean="0"/>
+              <a:t> – outros preferem usar os </a:t>
+            </a:r>
+            <a:r>
+              <a:rPr lang="pt-BR" sz="1800" dirty="0" err="1" smtClean="0"/>
+              <a:t>branches</a:t>
+            </a:r>
+            <a:r>
+              <a:rPr lang="pt-BR" sz="1800" dirty="0" smtClean="0"/>
+              <a:t> mais recentes como principais.</a:t>
+            </a:r>
+            <a:endParaRPr lang="pt-BR" sz="1800" dirty="0" smtClean="0"/>
+          </a:p>
+          <a:p>
+            <a:pPr algn="l"/>
+            <a:endParaRPr lang="pt-BR" sz="1800" dirty="0"/>
+          </a:p>
+          <a:p>
+            <a:pPr algn="l"/>
+            <a:r>
+              <a:rPr lang="pt-BR" sz="1800" dirty="0" smtClean="0"/>
+              <a:t> </a:t>
+            </a:r>
+            <a:endParaRPr lang="pt-BR" sz="1800" dirty="0"/>
+          </a:p>
+        </p:txBody>
+      </p:sp>
+    </p:spTree>
+    <p:extLst>
+      <p:ext uri="{BB962C8B-B14F-4D97-AF65-F5344CB8AC3E}">
+        <p14:creationId xmlns:p14="http://schemas.microsoft.com/office/powerpoint/2010/main" val="2677335008"/>
+      </p:ext>
+    </p:extLst>
+  </p:cSld>
+  <p:clrMapOvr>
+    <a:masterClrMapping/>
+  </p:clrMapOvr>
+  <p:timing>
+    <p:tnLst>
+      <p:par>
+        <p:cTn id="1" dur="indefinite" restart="never" nodeType="tmRoot"/>
+      </p:par>
+    </p:tnLst>
+  </p:timing>
+</p:sld>
+</file>
+
+<file path=ppt/slides/slide8.xml><?xml version="1.0" encoding="utf-8"?>
+<p:sld xmlns:a="http://schemas.openxmlformats.org/drawingml/2006/main" xmlns:r="http://schemas.openxmlformats.org/officeDocument/2006/relationships" xmlns:p="http://schemas.openxmlformats.org/presentationml/2006/main">
+  <p:cSld>
+    <p:spTree>
+      <p:nvGrpSpPr>
+        <p:cNvPr id="1" name=""/>
+        <p:cNvGrpSpPr/>
+        <p:nvPr/>
+      </p:nvGrpSpPr>
+      <p:grpSpPr>
+        <a:xfrm>
+          <a:off x="0" y="0"/>
+          <a:ext cx="0" cy="0"/>
+          <a:chOff x="0" y="0"/>
+          <a:chExt cx="0" cy="0"/>
+        </a:xfrm>
+      </p:grpSpPr>
+      <p:sp>
+        <p:nvSpPr>
+          <p:cNvPr id="2" name="Título 1"/>
+          <p:cNvSpPr>
+            <a:spLocks noGrp="1"/>
+          </p:cNvSpPr>
+          <p:nvPr>
+            <p:ph type="ctrTitle"/>
+          </p:nvPr>
+        </p:nvSpPr>
+        <p:spPr>
+          <a:xfrm>
+            <a:off x="857250" y="820421"/>
+            <a:ext cx="7772400" cy="1122680"/>
+          </a:xfrm>
+        </p:spPr>
+        <p:txBody>
+          <a:bodyPr/>
+          <a:lstStyle/>
+          <a:p>
+            <a:pPr algn="ctr"/>
+            <a:r>
+              <a:rPr lang="pt-BR" dirty="0" smtClean="0"/>
+              <a:t>BRANCH</a:t>
+            </a:r>
+            <a:endParaRPr lang="pt-BR" dirty="0"/>
+          </a:p>
+        </p:txBody>
+      </p:sp>
+      <p:sp>
+        <p:nvSpPr>
+          <p:cNvPr id="3" name="Subtítulo 2"/>
+          <p:cNvSpPr>
+            <a:spLocks noGrp="1"/>
+          </p:cNvSpPr>
+          <p:nvPr>
+            <p:ph type="subTitle" idx="1"/>
+          </p:nvPr>
+        </p:nvSpPr>
+        <p:spPr>
+          <a:xfrm>
+            <a:off x="857250" y="2176144"/>
+            <a:ext cx="7612380" cy="3847465"/>
+          </a:xfrm>
+        </p:spPr>
+        <p:txBody>
+          <a:bodyPr/>
+          <a:lstStyle/>
+          <a:p>
+            <a:pPr algn="l"/>
+            <a:r>
+              <a:rPr lang="pt-BR" sz="1800" dirty="0" smtClean="0"/>
+              <a:t>O </a:t>
+            </a:r>
+            <a:r>
+              <a:rPr lang="pt-BR" sz="1800" dirty="0" err="1" smtClean="0"/>
+              <a:t>branch</a:t>
+            </a:r>
+            <a:r>
+              <a:rPr lang="pt-BR" sz="1800" dirty="0" smtClean="0"/>
+              <a:t> é uma ramificação do seu código. Funciona, literalmente, como um ‘ramo’ – um galho na nossa árvore. </a:t>
+            </a:r>
+          </a:p>
+          <a:p>
+            <a:pPr algn="l"/>
+            <a:endParaRPr lang="pt-BR" sz="1800" dirty="0"/>
+          </a:p>
+          <a:p>
+            <a:pPr algn="l"/>
+            <a:r>
+              <a:rPr lang="pt-BR" sz="1800" dirty="0" smtClean="0"/>
+              <a:t>Um </a:t>
+            </a:r>
+            <a:r>
+              <a:rPr lang="pt-BR" sz="1800" dirty="0" err="1" smtClean="0"/>
+              <a:t>branch</a:t>
+            </a:r>
+            <a:r>
+              <a:rPr lang="pt-BR" sz="1800" dirty="0" smtClean="0"/>
+              <a:t> novo é criado sempre que uma nova funcionalidade estiver sendo desenvolvida.</a:t>
+            </a:r>
+          </a:p>
+          <a:p>
+            <a:pPr algn="l"/>
+            <a:endParaRPr lang="pt-BR" sz="1800" dirty="0"/>
+          </a:p>
+          <a:p>
+            <a:pPr algn="l"/>
+            <a:r>
+              <a:rPr lang="pt-BR" sz="1800" dirty="0" smtClean="0"/>
+              <a:t>Principais comandos:</a:t>
+            </a:r>
+          </a:p>
+          <a:p>
+            <a:pPr algn="l"/>
+            <a:r>
+              <a:rPr lang="pt-BR" sz="1800" dirty="0" smtClean="0"/>
+              <a:t>Criar um novo </a:t>
+            </a:r>
+            <a:r>
+              <a:rPr lang="pt-BR" sz="1800" dirty="0" err="1" smtClean="0"/>
+              <a:t>branch</a:t>
+            </a:r>
+            <a:r>
+              <a:rPr lang="pt-BR" sz="1800" dirty="0" smtClean="0"/>
+              <a:t>: </a:t>
+            </a:r>
+            <a:r>
+              <a:rPr lang="pt-BR" sz="1800" dirty="0" err="1" smtClean="0"/>
+              <a:t>git</a:t>
+            </a:r>
+            <a:r>
+              <a:rPr lang="pt-BR" sz="1800" dirty="0" smtClean="0"/>
+              <a:t> </a:t>
+            </a:r>
+            <a:r>
+              <a:rPr lang="pt-BR" sz="1800" dirty="0" err="1" smtClean="0"/>
+              <a:t>checkout</a:t>
+            </a:r>
+            <a:r>
+              <a:rPr lang="pt-BR" sz="1800" dirty="0" smtClean="0"/>
+              <a:t> –b </a:t>
+            </a:r>
+            <a:r>
+              <a:rPr lang="pt-BR" sz="1800" dirty="0" err="1" smtClean="0"/>
+              <a:t>nome_da_versao</a:t>
+            </a:r>
+            <a:endParaRPr lang="pt-BR" sz="1800" dirty="0" smtClean="0"/>
+          </a:p>
+          <a:p>
+            <a:pPr algn="l"/>
+            <a:r>
+              <a:rPr lang="pt-BR" sz="1800" dirty="0" smtClean="0"/>
+              <a:t>Ir para um </a:t>
+            </a:r>
+            <a:r>
+              <a:rPr lang="pt-BR" sz="1800" dirty="0" err="1" smtClean="0"/>
+              <a:t>branch</a:t>
+            </a:r>
+            <a:r>
+              <a:rPr lang="pt-BR" sz="1800" dirty="0" smtClean="0"/>
+              <a:t> existente: </a:t>
+            </a:r>
+            <a:r>
+              <a:rPr lang="pt-BR" sz="1800" dirty="0" err="1" smtClean="0"/>
+              <a:t>git</a:t>
+            </a:r>
+            <a:r>
+              <a:rPr lang="pt-BR" sz="1800" dirty="0" smtClean="0"/>
+              <a:t> </a:t>
+            </a:r>
+            <a:r>
+              <a:rPr lang="pt-BR" sz="1800" dirty="0" err="1" smtClean="0"/>
+              <a:t>checkout</a:t>
+            </a:r>
+            <a:r>
+              <a:rPr lang="pt-BR" sz="1800" dirty="0" smtClean="0"/>
+              <a:t> –f </a:t>
+            </a:r>
+            <a:r>
+              <a:rPr lang="pt-BR" sz="1800" dirty="0" err="1" smtClean="0"/>
+              <a:t>nome_da_versao</a:t>
+            </a:r>
+            <a:endParaRPr lang="pt-BR" sz="1800" dirty="0" smtClean="0"/>
+          </a:p>
+          <a:p>
+            <a:pPr algn="l"/>
+            <a:endParaRPr lang="pt-BR" sz="1800" dirty="0"/>
+          </a:p>
+          <a:p>
+            <a:pPr algn="l"/>
+            <a:r>
+              <a:rPr lang="pt-BR" sz="1800" dirty="0" smtClean="0"/>
+              <a:t>Nota: Ao usar o comando </a:t>
+            </a:r>
+            <a:r>
+              <a:rPr lang="pt-BR" sz="1800" dirty="0" err="1" smtClean="0"/>
+              <a:t>git</a:t>
+            </a:r>
+            <a:r>
+              <a:rPr lang="pt-BR" sz="1800" dirty="0" smtClean="0"/>
+              <a:t> </a:t>
+            </a:r>
+            <a:r>
+              <a:rPr lang="pt-BR" sz="1800" dirty="0" err="1" smtClean="0"/>
+              <a:t>checkout</a:t>
+            </a:r>
+            <a:r>
+              <a:rPr lang="pt-BR" sz="1800" dirty="0" smtClean="0"/>
+              <a:t> –f, todas as modificações não </a:t>
+            </a:r>
+            <a:r>
+              <a:rPr lang="pt-BR" sz="1800" dirty="0" err="1" smtClean="0"/>
+              <a:t>commitadas</a:t>
+            </a:r>
+            <a:r>
+              <a:rPr lang="pt-BR" sz="1800" dirty="0" smtClean="0"/>
+              <a:t> são </a:t>
+            </a:r>
+            <a:r>
+              <a:rPr lang="pt-BR" sz="1800" b="1" dirty="0" smtClean="0"/>
+              <a:t>perdidas</a:t>
+            </a:r>
+            <a:r>
+              <a:rPr lang="pt-BR" sz="1800" dirty="0" smtClean="0"/>
+              <a:t>. </a:t>
+            </a:r>
+          </a:p>
+          <a:p>
+            <a:pPr algn="l"/>
+            <a:endParaRPr lang="pt-BR" sz="1800" dirty="0"/>
+          </a:p>
+          <a:p>
+            <a:pPr algn="l"/>
+            <a:r>
+              <a:rPr lang="pt-BR" sz="1800" dirty="0" smtClean="0"/>
+              <a:t> </a:t>
+            </a:r>
+            <a:endParaRPr lang="pt-BR" sz="1800" dirty="0"/>
+          </a:p>
+        </p:txBody>
+      </p:sp>
+    </p:spTree>
+    <p:extLst>
+      <p:ext uri="{BB962C8B-B14F-4D97-AF65-F5344CB8AC3E}">
+        <p14:creationId xmlns:p14="http://schemas.microsoft.com/office/powerpoint/2010/main" val="322132450"/>
+      </p:ext>
+    </p:extLst>
+  </p:cSld>
+  <p:clrMapOvr>
+    <a:masterClrMapping/>
+  </p:clrMapOvr>
+  <p:timing>
+    <p:tnLst>
+      <p:par>
+        <p:cTn id="1" dur="indefinite" restart="never" nodeType="tmRoot"/>
+      </p:par>
+    </p:tnLst>
+  </p:timing>
+</p:sld>
+</file>
+
+<file path=ppt/slides/slide9.xml><?xml version="1.0" encoding="utf-8"?>
+<p:sld xmlns:a="http://schemas.openxmlformats.org/drawingml/2006/main" xmlns:r="http://schemas.openxmlformats.org/officeDocument/2006/relationships" xmlns:p="http://schemas.openxmlformats.org/presentationml/2006/main">
+  <p:cSld>
+    <p:spTree>
+      <p:nvGrpSpPr>
+        <p:cNvPr id="1" name=""/>
+        <p:cNvGrpSpPr/>
+        <p:nvPr/>
+      </p:nvGrpSpPr>
+      <p:grpSpPr>
+        <a:xfrm>
+          <a:off x="0" y="0"/>
+          <a:ext cx="0" cy="0"/>
+          <a:chOff x="0" y="0"/>
+          <a:chExt cx="0" cy="0"/>
+        </a:xfrm>
+      </p:grpSpPr>
+      <p:sp>
+        <p:nvSpPr>
+          <p:cNvPr id="2" name="Título 1"/>
+          <p:cNvSpPr>
+            <a:spLocks noGrp="1"/>
+          </p:cNvSpPr>
+          <p:nvPr>
+            <p:ph type="ctrTitle"/>
+          </p:nvPr>
+        </p:nvSpPr>
+        <p:spPr>
+          <a:xfrm>
+            <a:off x="857250" y="820421"/>
+            <a:ext cx="7772400" cy="1122680"/>
+          </a:xfrm>
+        </p:spPr>
+        <p:txBody>
+          <a:bodyPr/>
+          <a:lstStyle/>
+          <a:p>
+            <a:pPr algn="ctr"/>
+            <a:r>
+              <a:rPr lang="pt-BR" dirty="0" smtClean="0"/>
+              <a:t>COMMIT</a:t>
+            </a:r>
+            <a:endParaRPr lang="pt-BR" dirty="0"/>
+          </a:p>
+        </p:txBody>
+      </p:sp>
+      <p:sp>
+        <p:nvSpPr>
+          <p:cNvPr id="3" name="Subtítulo 2"/>
+          <p:cNvSpPr>
+            <a:spLocks noGrp="1"/>
+          </p:cNvSpPr>
+          <p:nvPr>
+            <p:ph type="subTitle" idx="1"/>
+          </p:nvPr>
+        </p:nvSpPr>
+        <p:spPr>
+          <a:xfrm>
+            <a:off x="857250" y="2176144"/>
+            <a:ext cx="7612380" cy="3847465"/>
+          </a:xfrm>
+        </p:spPr>
+        <p:txBody>
+          <a:bodyPr/>
+          <a:lstStyle/>
+          <a:p>
+            <a:pPr algn="l"/>
+            <a:r>
+              <a:rPr lang="pt-BR" sz="1800" dirty="0" smtClean="0"/>
+              <a:t>O </a:t>
+            </a:r>
+            <a:r>
+              <a:rPr lang="pt-BR" sz="1800" dirty="0" err="1" smtClean="0"/>
+              <a:t>commit</a:t>
+            </a:r>
+            <a:r>
+              <a:rPr lang="pt-BR" sz="1800" dirty="0" smtClean="0"/>
+              <a:t> é cada modificação feita em um </a:t>
+            </a:r>
+            <a:r>
+              <a:rPr lang="pt-BR" sz="1800" dirty="0" err="1" smtClean="0"/>
+              <a:t>branch</a:t>
+            </a:r>
+            <a:r>
+              <a:rPr lang="pt-BR" sz="1800" dirty="0" smtClean="0"/>
+              <a:t> que voc</a:t>
+            </a:r>
+            <a:r>
+              <a:rPr lang="pt-BR" sz="1800" dirty="0" smtClean="0"/>
+              <a:t>ê sobe para um repositório</a:t>
+            </a:r>
+            <a:r>
+              <a:rPr lang="pt-BR" sz="1800" dirty="0" smtClean="0"/>
+              <a:t>. Pense nele como você adicionando folhas e frutos naquele galho. Um </a:t>
+            </a:r>
+            <a:r>
+              <a:rPr lang="pt-BR" sz="1800" dirty="0" err="1" smtClean="0"/>
+              <a:t>branch</a:t>
+            </a:r>
+            <a:r>
+              <a:rPr lang="pt-BR" sz="1800" dirty="0" smtClean="0"/>
+              <a:t> pode ter N </a:t>
+            </a:r>
+            <a:r>
+              <a:rPr lang="pt-BR" sz="1800" dirty="0" err="1" smtClean="0"/>
+              <a:t>commits</a:t>
+            </a:r>
+            <a:r>
+              <a:rPr lang="pt-BR" sz="1800" dirty="0" smtClean="0"/>
+              <a:t>, mas uma boa prática é se manter sempre dentro da tarefa proposta.</a:t>
+            </a:r>
+          </a:p>
+          <a:p>
+            <a:pPr algn="l"/>
+            <a:endParaRPr lang="pt-BR" sz="1800" dirty="0" smtClean="0"/>
+          </a:p>
+          <a:p>
+            <a:pPr algn="l"/>
+            <a:r>
+              <a:rPr lang="pt-BR" sz="1800" dirty="0" smtClean="0"/>
+              <a:t>Você pode inclusive “voltar” a um </a:t>
+            </a:r>
+            <a:r>
+              <a:rPr lang="pt-BR" sz="1800" dirty="0" err="1" smtClean="0"/>
+              <a:t>commit</a:t>
+            </a:r>
+            <a:r>
+              <a:rPr lang="pt-BR" sz="1800" dirty="0" smtClean="0"/>
+              <a:t> dentro de um </a:t>
+            </a:r>
+            <a:r>
+              <a:rPr lang="pt-BR" sz="1800" dirty="0" err="1" smtClean="0"/>
+              <a:t>branch</a:t>
+            </a:r>
+            <a:r>
+              <a:rPr lang="pt-BR" sz="1800" dirty="0" smtClean="0"/>
+              <a:t>.</a:t>
+            </a:r>
+          </a:p>
+          <a:p>
+            <a:pPr algn="l"/>
+            <a:endParaRPr lang="pt-BR" sz="1800" dirty="0"/>
+          </a:p>
+          <a:p>
+            <a:pPr algn="l"/>
+            <a:r>
+              <a:rPr lang="pt-BR" sz="1800" dirty="0" smtClean="0"/>
+              <a:t>Principais comandos:</a:t>
+            </a:r>
+          </a:p>
+          <a:p>
+            <a:pPr algn="l"/>
+            <a:r>
+              <a:rPr lang="pt-BR" sz="1800" dirty="0" err="1" smtClean="0"/>
+              <a:t>git</a:t>
+            </a:r>
+            <a:r>
+              <a:rPr lang="pt-BR" sz="1800" dirty="0" smtClean="0"/>
+              <a:t> </a:t>
+            </a:r>
+            <a:r>
+              <a:rPr lang="pt-BR" sz="1800" dirty="0" err="1" smtClean="0"/>
+              <a:t>add</a:t>
+            </a:r>
+            <a:r>
+              <a:rPr lang="pt-BR" sz="1800" dirty="0" smtClean="0"/>
+              <a:t> –</a:t>
+            </a:r>
+            <a:r>
+              <a:rPr lang="pt-BR" sz="1800" dirty="0" err="1" smtClean="0"/>
+              <a:t>all</a:t>
+            </a:r>
+            <a:endParaRPr lang="pt-BR" sz="1800" dirty="0" smtClean="0"/>
+          </a:p>
+          <a:p>
+            <a:pPr algn="l"/>
+            <a:r>
+              <a:rPr lang="pt-BR" sz="1800" dirty="0" err="1" smtClean="0"/>
+              <a:t>git</a:t>
+            </a:r>
+            <a:r>
+              <a:rPr lang="pt-BR" sz="1800" dirty="0" smtClean="0"/>
+              <a:t> </a:t>
+            </a:r>
+            <a:r>
+              <a:rPr lang="pt-BR" sz="1800" dirty="0" err="1" smtClean="0"/>
+              <a:t>commit</a:t>
+            </a:r>
+            <a:r>
+              <a:rPr lang="pt-BR" sz="1800" dirty="0" smtClean="0"/>
+              <a:t> –</a:t>
+            </a:r>
+            <a:r>
+              <a:rPr lang="pt-BR" sz="1800" dirty="0" err="1" smtClean="0"/>
+              <a:t>am”update</a:t>
+            </a:r>
+            <a:r>
+              <a:rPr lang="pt-BR" sz="1800" dirty="0" smtClean="0"/>
+              <a:t> nos arquivos”</a:t>
+            </a:r>
+            <a:endParaRPr lang="pt-BR" sz="1800" dirty="0"/>
+          </a:p>
+          <a:p>
+            <a:pPr algn="l"/>
+            <a:r>
+              <a:rPr lang="pt-BR" sz="1800" dirty="0" smtClean="0"/>
+              <a:t> </a:t>
+            </a:r>
+            <a:endParaRPr lang="pt-BR" sz="1800" dirty="0"/>
+          </a:p>
+        </p:txBody>
+      </p:sp>
+    </p:spTree>
+    <p:extLst>
+      <p:ext uri="{BB962C8B-B14F-4D97-AF65-F5344CB8AC3E}">
+        <p14:creationId xmlns:p14="http://schemas.microsoft.com/office/powerpoint/2010/main" val="1916334642"/>
+      </p:ext>
+    </p:extLst>
+  </p:cSld>
+  <p:clrMapOvr>
+    <a:masterClrMapping/>
+  </p:clrMapOvr>
+  <p:timing>
+    <p:tnLst>
+      <p:par>
+        <p:cTn id="1" dur="indefinite" restart="never" nodeType="tmRoot"/>
+      </p:par>
+    </p:tnLst>
+  </p:timing>
 </p:sld>
 </file>
 

--- a/Workshop.pptx
+++ b/Workshop.pptx
@@ -151,7 +151,7 @@
   </p:defaultTextStyle>
   <p:extLst>
     <p:ext uri="{EFAFB233-063F-42B5-8137-9DF3F51BA10A}">
-      <p15:sldGuideLst xmlns:p15="http://schemas.microsoft.com/office/powerpoint/2012/main" xmlns="">
+      <p15:sldGuideLst xmlns="" xmlns:p15="http://schemas.microsoft.com/office/powerpoint/2012/main">
         <p15:guide id="1" orient="horz" pos="2160">
           <p15:clr>
             <a:srgbClr val="A4A3A4"/>
@@ -274,7 +274,7 @@
               <a:pPr>
                 <a:defRPr/>
               </a:pPr>
-              <a:t>10/5/2017</a:t>
+              <a:t>10/6/2017</a:t>
             </a:fld>
             <a:endParaRPr lang="en-US"/>
           </a:p>
@@ -707,7 +707,7 @@
               <a:pPr>
                 <a:defRPr/>
               </a:pPr>
-              <a:t>10/5/2017</a:t>
+              <a:t>10/6/2017</a:t>
             </a:fld>
             <a:endParaRPr lang="en-US"/>
           </a:p>
@@ -985,7 +985,7 @@
               <a:pPr>
                 <a:defRPr/>
               </a:pPr>
-              <a:t>10/5/2017</a:t>
+              <a:t>10/6/2017</a:t>
             </a:fld>
             <a:endParaRPr lang="en-US"/>
           </a:p>
@@ -1177,7 +1177,7 @@
               <a:pPr>
                 <a:defRPr/>
               </a:pPr>
-              <a:t>10/5/2017</a:t>
+              <a:t>10/6/2017</a:t>
             </a:fld>
             <a:endParaRPr lang="en-US"/>
           </a:p>
@@ -1379,7 +1379,7 @@
               <a:pPr>
                 <a:defRPr/>
               </a:pPr>
-              <a:t>10/5/2017</a:t>
+              <a:t>10/6/2017</a:t>
             </a:fld>
             <a:endParaRPr lang="en-US"/>
           </a:p>
@@ -1540,7 +1540,7 @@
               <a:pPr>
                 <a:defRPr/>
               </a:pPr>
-              <a:t>10/5/2017</a:t>
+              <a:t>10/6/2017</a:t>
             </a:fld>
             <a:endParaRPr lang="en-US"/>
           </a:p>
@@ -1848,7 +1848,7 @@
               <a:pPr>
                 <a:defRPr/>
               </a:pPr>
-              <a:t>10/5/2017</a:t>
+              <a:t>10/6/2017</a:t>
             </a:fld>
             <a:endParaRPr lang="en-US"/>
           </a:p>
@@ -2040,7 +2040,7 @@
               <a:pPr>
                 <a:defRPr/>
               </a:pPr>
-              <a:t>10/5/2017</a:t>
+              <a:t>10/6/2017</a:t>
             </a:fld>
             <a:endParaRPr lang="en-US"/>
           </a:p>
@@ -2308,7 +2308,7 @@
               <a:pPr>
                 <a:defRPr/>
               </a:pPr>
-              <a:t>10/5/2017</a:t>
+              <a:t>10/6/2017</a:t>
             </a:fld>
             <a:endParaRPr lang="en-US"/>
           </a:p>
@@ -2618,7 +2618,7 @@
               <a:pPr>
                 <a:defRPr/>
               </a:pPr>
-              <a:t>10/5/2017</a:t>
+              <a:t>10/6/2017</a:t>
             </a:fld>
             <a:endParaRPr lang="en-US"/>
           </a:p>
@@ -3062,7 +3062,7 @@
               <a:pPr>
                 <a:defRPr/>
               </a:pPr>
-              <a:t>10/5/2017</a:t>
+              <a:t>10/6/2017</a:t>
             </a:fld>
             <a:endParaRPr lang="en-US"/>
           </a:p>
@@ -3179,7 +3179,7 @@
               <a:pPr>
                 <a:defRPr/>
               </a:pPr>
-              <a:t>10/5/2017</a:t>
+              <a:t>10/6/2017</a:t>
             </a:fld>
             <a:endParaRPr lang="en-US"/>
           </a:p>
@@ -3478,7 +3478,7 @@
               <a:pPr>
                 <a:defRPr/>
               </a:pPr>
-              <a:t>10/5/2017</a:t>
+              <a:t>10/6/2017</a:t>
             </a:fld>
             <a:endParaRPr lang="en-US"/>
           </a:p>
@@ -3738,7 +3738,7 @@
               <a:pPr>
                 <a:defRPr/>
               </a:pPr>
-              <a:t>10/5/2017</a:t>
+              <a:t>10/6/2017</a:t>
             </a:fld>
             <a:endParaRPr lang="en-US"/>
           </a:p>
@@ -5254,17 +5254,8 @@
             </a:r>
             <a:r>
               <a:rPr lang="pt-BR" sz="1800" dirty="0" smtClean="0"/>
-              <a:t> do Linux). Hoje o GIT é o sistema de versionamento mais famoso e mais utilizado por empresas e desenvolvedores, devido à sua simples utilização e seu código aberto</a:t>
-            </a:r>
-            <a:r>
-              <a:rPr lang="pt-BR" sz="1800" dirty="0" smtClean="0"/>
-              <a:t>. GIT é uma arquitetur</a:t>
-            </a:r>
-            <a:r>
-              <a:rPr lang="pt-BR" sz="1800" dirty="0" smtClean="0"/>
-              <a:t>a.</a:t>
-            </a:r>
-            <a:endParaRPr lang="pt-BR" sz="1800" dirty="0" smtClean="0"/>
+              <a:t> do Linux). Hoje o GIT é o sistema de versionamento mais famoso e mais utilizado por empresas e desenvolvedores, devido à sua simples utilização e seu código aberto. GIT é uma arquitetura.</a:t>
+            </a:r>
           </a:p>
           <a:p>
             <a:pPr algn="l"/>
@@ -5274,13 +5265,8 @@
             <a:pPr algn="l"/>
             <a:r>
               <a:rPr lang="pt-BR" sz="1800" dirty="0" smtClean="0"/>
-              <a:t>Diferente de outros modelos de arquitetura distribuída que permitem que o desenvolvedor trabalhe sempre com a versão mais atualizada, o GIT permite com que cada desenvolvedor tenha acesso a todo o repositório em sua máquina, tornando simples a mudança de versão e comparação do </a:t>
-            </a:r>
-            <a:r>
-              <a:rPr lang="pt-BR" sz="1800" dirty="0" smtClean="0"/>
-              <a:t>código, sem atrapalhar os demais desenvolvedores. </a:t>
-            </a:r>
-            <a:endParaRPr lang="pt-BR" sz="1800" dirty="0" smtClean="0"/>
+              <a:t>Diferente de outros modelos de arquitetura distribuída que permitem que o desenvolvedor trabalhe sempre com a versão mais atualizada, o GIT permite com que cada desenvolvedor tenha acesso a todo o repositório em sua máquina, tornando simples a mudança de versão e comparação do código, sem atrapalhar os demais desenvolvedores. </a:t>
+            </a:r>
           </a:p>
           <a:p>
             <a:pPr algn="l"/>
@@ -5298,11 +5284,7 @@
             </a:r>
             <a:r>
               <a:rPr lang="pt-BR" sz="1800" dirty="0" smtClean="0"/>
-              <a:t>.  </a:t>
-            </a:r>
-            <a:r>
-              <a:rPr lang="pt-BR" sz="1800" dirty="0" smtClean="0"/>
-              <a:t>Basicamente toda comunicação com </a:t>
+              <a:t>.  Basicamente toda comunicação com </a:t>
             </a:r>
             <a:r>
               <a:rPr lang="pt-BR" sz="1800" dirty="0" err="1" smtClean="0"/>
@@ -5555,6 +5537,70 @@
               <a:rPr lang="pt-BR" sz="1800" dirty="0" smtClean="0"/>
               <a:t> </a:t>
             </a:r>
+            <a:r>
+              <a:rPr lang="pt-BR" sz="1800" dirty="0" smtClean="0"/>
+              <a:t/>
+            </a:r>
+            <a:br>
+              <a:rPr lang="pt-BR" sz="1800" dirty="0" smtClean="0"/>
+            </a:br>
+            <a:r>
+              <a:rPr lang="pt-BR" sz="1800" dirty="0" smtClean="0"/>
+              <a:t/>
+            </a:r>
+            <a:br>
+              <a:rPr lang="pt-BR" sz="1800" dirty="0" smtClean="0"/>
+            </a:br>
+            <a:r>
+              <a:rPr lang="pt-BR" sz="1800" dirty="0" smtClean="0"/>
+              <a:t>O repositório pode ser hospedado em qualquer site que ofereça suporte à estrutura GIT, sendo os principais:</a:t>
+            </a:r>
+          </a:p>
+          <a:p>
+            <a:pPr algn="l"/>
+            <a:endParaRPr lang="pt-BR" sz="1800" dirty="0"/>
+          </a:p>
+          <a:p>
+            <a:pPr algn="l"/>
+            <a:r>
+              <a:rPr lang="pt-BR" sz="1800" dirty="0">
+                <a:hlinkClick r:id="rId3"/>
+              </a:rPr>
+              <a:t>https://github.com</a:t>
+            </a:r>
+            <a:r>
+              <a:rPr lang="pt-BR" sz="1800" dirty="0" smtClean="0">
+                <a:hlinkClick r:id="rId3"/>
+              </a:rPr>
+              <a:t>/</a:t>
+            </a:r>
+            <a:endParaRPr lang="pt-BR" sz="1800" dirty="0" smtClean="0"/>
+          </a:p>
+          <a:p>
+            <a:pPr algn="l"/>
+            <a:r>
+              <a:rPr lang="pt-BR" sz="1800">
+                <a:hlinkClick r:id="rId4"/>
+              </a:rPr>
+              <a:t>https</a:t>
+            </a:r>
+            <a:r>
+              <a:rPr lang="pt-BR" sz="1800">
+                <a:hlinkClick r:id="rId4"/>
+              </a:rPr>
+              <a:t>://</a:t>
+            </a:r>
+            <a:r>
+              <a:rPr lang="pt-BR" sz="1800" smtClean="0">
+                <a:hlinkClick r:id="rId4"/>
+              </a:rPr>
+              <a:t>bitbucket.org</a:t>
+            </a:r>
+            <a:endParaRPr lang="pt-BR" sz="1800" smtClean="0"/>
+          </a:p>
+          <a:p>
+            <a:pPr algn="l"/>
+            <a:endParaRPr lang="pt-BR" sz="1800" dirty="0" smtClean="0"/>
           </a:p>
           <a:p>
             <a:pPr algn="l"/>
@@ -5694,11 +5740,7 @@
             <a:pPr algn="l"/>
             <a:r>
               <a:rPr lang="pt-BR" sz="1800" dirty="0" smtClean="0"/>
-              <a:t>Existem duas maneiras de se criar um repositório: iniciar um repositório local ou clonar um repositório existente, que é bem mais simples</a:t>
-            </a:r>
-            <a:r>
-              <a:rPr lang="pt-BR" sz="1800" dirty="0" smtClean="0"/>
-              <a:t>. Independente da forma que você preferir utilizar, o resultado é o mesmo: uma ligação entre repositório e sua máquina. Isso é tudo o que você precisa pra começar.</a:t>
+              <a:t>Existem duas maneiras de se criar um repositório: iniciar um repositório local ou clonar um repositório existente, que é bem mais simples. Independente da forma que você preferir utilizar, o resultado é o mesmo: uma ligação entre repositório e sua máquina. Isso é tudo o que você precisa pra começar.</a:t>
             </a:r>
           </a:p>
           <a:p>
@@ -5879,11 +5921,7 @@
             </a:r>
             <a:r>
               <a:rPr lang="pt-BR" dirty="0" smtClean="0"/>
-              <a:t>, </a:t>
-            </a:r>
-            <a:r>
-              <a:rPr lang="pt-BR" dirty="0" smtClean="0"/>
-              <a:t>Merge, </a:t>
+              <a:t>, Merge, </a:t>
             </a:r>
             <a:r>
               <a:rPr lang="pt-BR" dirty="0" err="1" smtClean="0"/>
@@ -6071,11 +6109,7 @@
             <a:pPr algn="l"/>
             <a:r>
               <a:rPr lang="pt-BR" sz="1800" dirty="0" smtClean="0"/>
-              <a:t>Sempre qu</a:t>
-            </a:r>
-            <a:r>
-              <a:rPr lang="pt-BR" sz="1800" dirty="0" smtClean="0"/>
-              <a:t>e criamos um novo repositório, é criado junto o tronco da árvore. Ele não precisa ser mantido e você pode substituí-lo por outro </a:t>
+              <a:t>Sempre que criamos um novo repositório, é criado junto o tronco da árvore. Ele não precisa ser mantido e você pode substituí-lo por outro </a:t>
             </a:r>
             <a:r>
               <a:rPr lang="pt-BR" sz="1800" dirty="0" err="1" smtClean="0"/>
@@ -6125,7 +6159,6 @@
               <a:rPr lang="pt-BR" sz="1800" dirty="0" smtClean="0"/>
               <a:t> mais recentes como principais.</a:t>
             </a:r>
-            <a:endParaRPr lang="pt-BR" sz="1800" dirty="0" smtClean="0"/>
           </a:p>
           <a:p>
             <a:pPr algn="l"/>
@@ -6505,15 +6538,7 @@
             </a:r>
             <a:r>
               <a:rPr lang="pt-BR" sz="1800" dirty="0" smtClean="0"/>
-              <a:t> que voc</a:t>
-            </a:r>
-            <a:r>
-              <a:rPr lang="pt-BR" sz="1800" dirty="0" smtClean="0"/>
-              <a:t>ê sobe para um repositório</a:t>
-            </a:r>
-            <a:r>
-              <a:rPr lang="pt-BR" sz="1800" dirty="0" smtClean="0"/>
-              <a:t>. Pense nele como você adicionando folhas e frutos naquele galho. Um </a:t>
+              <a:t> que você sobe para um repositório. Pense nele como você adicionando folhas e frutos naquele galho. Um </a:t>
             </a:r>
             <a:r>
               <a:rPr lang="pt-BR" sz="1800" dirty="0" err="1" smtClean="0"/>

--- a/Workshop.pptx
+++ b/Workshop.pptx
@@ -151,7 +151,7 @@
   </p:defaultTextStyle>
   <p:extLst>
     <p:ext uri="{EFAFB233-063F-42B5-8137-9DF3F51BA10A}">
-      <p15:sldGuideLst xmlns="" xmlns:p15="http://schemas.microsoft.com/office/powerpoint/2012/main">
+      <p15:sldGuideLst xmlns:p15="http://schemas.microsoft.com/office/powerpoint/2012/main" xmlns="">
         <p15:guide id="1" orient="horz" pos="2160">
           <p15:clr>
             <a:srgbClr val="A4A3A4"/>
@@ -5537,10 +5537,6 @@
               <a:rPr lang="pt-BR" sz="1800" dirty="0" smtClean="0"/>
               <a:t> </a:t>
             </a:r>
-            <a:r>
-              <a:rPr lang="pt-BR" sz="1800" dirty="0" smtClean="0"/>
-              <a:t/>
-            </a:r>
             <a:br>
               <a:rPr lang="pt-BR" sz="1800" dirty="0" smtClean="0"/>
             </a:br>
@@ -5582,13 +5578,7 @@
               <a:rPr lang="pt-BR" sz="1800">
                 <a:hlinkClick r:id="rId4"/>
               </a:rPr>
-              <a:t>https</a:t>
-            </a:r>
-            <a:r>
-              <a:rPr lang="pt-BR" sz="1800">
-                <a:hlinkClick r:id="rId4"/>
-              </a:rPr>
-              <a:t>://</a:t>
+              <a:t>https://</a:t>
             </a:r>
             <a:r>
               <a:rPr lang="pt-BR" sz="1800" smtClean="0">
@@ -5797,6 +5787,10 @@
             </a:r>
             <a:r>
               <a:rPr lang="pt-BR" sz="1800" dirty="0" smtClean="0"/>
+              <a:t> (adiciona todas as modificações)</a:t>
+            </a:r>
+            <a:r>
+              <a:rPr lang="pt-BR" sz="1800" dirty="0" smtClean="0"/>
               <a:t/>
             </a:r>
             <a:br>
@@ -5824,7 +5818,11 @@
             </a:r>
             <a:r>
               <a:rPr lang="pt-BR" sz="1800" dirty="0" smtClean="0"/>
-              <a:t>”</a:t>
+              <a:t>” (compila todas as modificações)</a:t>
+            </a:r>
+            <a:r>
+              <a:rPr lang="pt-BR" sz="1800" dirty="0" smtClean="0"/>
+              <a:t/>
             </a:r>
             <a:br>
               <a:rPr lang="pt-BR" sz="1800" dirty="0" smtClean="0"/>
@@ -5845,7 +5843,38 @@
               <a:rPr lang="pt-BR" sz="1800" dirty="0" smtClean="0"/>
               <a:t> </a:t>
             </a:r>
-            <a:endParaRPr lang="pt-BR" sz="1800" dirty="0"/>
+            <a:r>
+              <a:rPr lang="pt-BR" sz="1800" dirty="0" smtClean="0"/>
+              <a:t>(envia as modificações pro servidor)</a:t>
+            </a:r>
+            <a:r>
+              <a:rPr lang="pt-BR" sz="1800" dirty="0"/>
+              <a:t/>
+            </a:r>
+            <a:br>
+              <a:rPr lang="pt-BR" sz="1800" dirty="0"/>
+            </a:br>
+            <a:r>
+              <a:rPr lang="pt-BR" sz="1800" dirty="0" err="1" smtClean="0"/>
+              <a:t>git</a:t>
+            </a:r>
+            <a:r>
+              <a:rPr lang="pt-BR" sz="1800" dirty="0" smtClean="0"/>
+              <a:t> </a:t>
+            </a:r>
+            <a:r>
+              <a:rPr lang="pt-BR" sz="1800" dirty="0" err="1" smtClean="0"/>
+              <a:t>pull</a:t>
+            </a:r>
+            <a:r>
+              <a:rPr lang="pt-BR" sz="1800" dirty="0" smtClean="0"/>
+              <a:t> (atualiza </a:t>
+            </a:r>
+            <a:r>
+              <a:rPr lang="pt-BR" sz="1800" smtClean="0"/>
+              <a:t>o projeto local)</a:t>
+            </a:r>
+            <a:endParaRPr lang="pt-BR" sz="1800" dirty="0" smtClean="0"/>
           </a:p>
         </p:txBody>
       </p:sp>

--- a/Workshop.pptx
+++ b/Workshop.pptx
@@ -151,7 +151,7 @@
   </p:defaultTextStyle>
   <p:extLst>
     <p:ext uri="{EFAFB233-063F-42B5-8137-9DF3F51BA10A}">
-      <p15:sldGuideLst xmlns:p15="http://schemas.microsoft.com/office/powerpoint/2012/main" xmlns="">
+      <p15:sldGuideLst xmlns="" xmlns:p15="http://schemas.microsoft.com/office/powerpoint/2012/main">
         <p15:guide id="1" orient="horz" pos="2160">
           <p15:clr>
             <a:srgbClr val="A4A3A4"/>
@@ -5154,6 +5154,36 @@
           </a:p>
         </p:txBody>
       </p:sp>
+      <p:sp>
+        <p:nvSpPr>
+          <p:cNvPr id="6" name="CaixaDeTexto 5"/>
+          <p:cNvSpPr txBox="1"/>
+          <p:nvPr/>
+        </p:nvSpPr>
+        <p:spPr>
+          <a:xfrm>
+            <a:off x="2834640" y="5788462"/>
+            <a:ext cx="3637866" cy="369332"/>
+          </a:xfrm>
+          <a:prstGeom prst="rect">
+            <a:avLst/>
+          </a:prstGeom>
+          <a:noFill/>
+        </p:spPr>
+        <p:txBody>
+          <a:bodyPr wrap="square" rtlCol="0">
+            <a:spAutoFit/>
+          </a:bodyPr>
+          <a:lstStyle/>
+          <a:p>
+            <a:r>
+              <a:rPr lang="pt-BR" dirty="0" smtClean="0"/>
+              <a:t>rafael.costa@connectcom.com.br</a:t>
+            </a:r>
+            <a:endParaRPr lang="pt-BR" dirty="0"/>
+          </a:p>
+        </p:txBody>
+      </p:sp>
     </p:spTree>
     <p:extLst>
       <p:ext uri="{BB962C8B-B14F-4D97-AF65-F5344CB8AC3E}">
@@ -5789,10 +5819,6 @@
               <a:rPr lang="pt-BR" sz="1800" dirty="0" smtClean="0"/>
               <a:t> (adiciona todas as modificações)</a:t>
             </a:r>
-            <a:r>
-              <a:rPr lang="pt-BR" sz="1800" dirty="0" smtClean="0"/>
-              <a:t/>
-            </a:r>
             <a:br>
               <a:rPr lang="pt-BR" sz="1800" dirty="0" smtClean="0"/>
             </a:br>
@@ -5820,10 +5846,6 @@
               <a:rPr lang="pt-BR" sz="1800" dirty="0" smtClean="0"/>
               <a:t>” (compila todas as modificações)</a:t>
             </a:r>
-            <a:r>
-              <a:rPr lang="pt-BR" sz="1800" dirty="0" smtClean="0"/>
-              <a:t/>
-            </a:r>
             <a:br>
               <a:rPr lang="pt-BR" sz="1800" dirty="0" smtClean="0"/>
             </a:br>
@@ -5841,11 +5863,7 @@
             </a:r>
             <a:r>
               <a:rPr lang="pt-BR" sz="1800" dirty="0" smtClean="0"/>
-              <a:t> </a:t>
-            </a:r>
-            <a:r>
-              <a:rPr lang="pt-BR" sz="1800" dirty="0" smtClean="0"/>
-              <a:t>(envia as modificações pro servidor)</a:t>
+              <a:t> (envia as modificações pro servidor)</a:t>
             </a:r>
             <a:r>
               <a:rPr lang="pt-BR" sz="1800" dirty="0"/>
